--- a/ppt 16-9/0724.向神仰脸.pptx
+++ b/ppt 16-9/0724.向神仰脸.pptx
@@ -5,7 +5,7 @@
     <p:sldMasterId id="2147483648" r:id="rId1"/>
   </p:sldMasterIdLst>
   <p:sldIdLst>
-    <p:sldId id="1960" r:id="rId2"/>
+    <p:sldId id="1962" r:id="rId2"/>
   </p:sldIdLst>
   <p:sldSz cx="12192000" cy="6858000"/>
   <p:notesSz cx="6858000" cy="9144000"/>
@@ -129,7 +129,7 @@
           <p:cNvPr id="2" name="标题 1">
             <a:extLst>
               <a:ext uri="{FF2B5EF4-FFF2-40B4-BE49-F238E27FC236}">
-                <a16:creationId xmlns:a16="http://schemas.microsoft.com/office/drawing/2014/main" id="{FF45715D-BF85-7E7B-E814-7FA09CAC04AC}"/>
+                <a16:creationId xmlns:a16="http://schemas.microsoft.com/office/drawing/2014/main" id="{A7E3C9E9-6A8D-147D-EEDB-D00B20A12991}"/>
               </a:ext>
             </a:extLst>
           </p:cNvPr>
@@ -166,7 +166,7 @@
           <p:cNvPr id="3" name="副标题 2">
             <a:extLst>
               <a:ext uri="{FF2B5EF4-FFF2-40B4-BE49-F238E27FC236}">
-                <a16:creationId xmlns:a16="http://schemas.microsoft.com/office/drawing/2014/main" id="{DEFB5C35-D3A0-CF2B-2AF2-BDC61D4FA3E4}"/>
+                <a16:creationId xmlns:a16="http://schemas.microsoft.com/office/drawing/2014/main" id="{F8E87819-3C53-BDC4-E524-6DB62F598F66}"/>
               </a:ext>
             </a:extLst>
           </p:cNvPr>
@@ -236,7 +236,7 @@
           <p:cNvPr id="4" name="日期占位符 3">
             <a:extLst>
               <a:ext uri="{FF2B5EF4-FFF2-40B4-BE49-F238E27FC236}">
-                <a16:creationId xmlns:a16="http://schemas.microsoft.com/office/drawing/2014/main" id="{AFC49085-45C6-111C-D9DF-9BA90FC90DA1}"/>
+                <a16:creationId xmlns:a16="http://schemas.microsoft.com/office/drawing/2014/main" id="{6AA120F2-B119-2C78-91DC-490F206F2848}"/>
               </a:ext>
             </a:extLst>
           </p:cNvPr>
@@ -252,7 +252,7 @@
           <a:bodyPr/>
           <a:lstStyle/>
           <a:p>
-            <a:fld id="{16808282-6D15-4E97-A716-00CBC0BCCBE9}" type="datetimeFigureOut">
+            <a:fld id="{6A846043-5FAE-48B7-9EE6-82322B336491}" type="datetimeFigureOut">
               <a:rPr lang="zh-CN" altLang="en-US" smtClean="0"/>
               <a:t>2024/3/10</a:t>
             </a:fld>
@@ -265,7 +265,7 @@
           <p:cNvPr id="5" name="页脚占位符 4">
             <a:extLst>
               <a:ext uri="{FF2B5EF4-FFF2-40B4-BE49-F238E27FC236}">
-                <a16:creationId xmlns:a16="http://schemas.microsoft.com/office/drawing/2014/main" id="{720A8F8C-272A-310C-AC3D-12F2AE5DD1E7}"/>
+                <a16:creationId xmlns:a16="http://schemas.microsoft.com/office/drawing/2014/main" id="{1D848CB0-5685-9EE6-11A2-AA79C651EEF5}"/>
               </a:ext>
             </a:extLst>
           </p:cNvPr>
@@ -290,7 +290,7 @@
           <p:cNvPr id="6" name="灯片编号占位符 5">
             <a:extLst>
               <a:ext uri="{FF2B5EF4-FFF2-40B4-BE49-F238E27FC236}">
-                <a16:creationId xmlns:a16="http://schemas.microsoft.com/office/drawing/2014/main" id="{20E460A7-3622-5B52-A8C1-20FD43E26B49}"/>
+                <a16:creationId xmlns:a16="http://schemas.microsoft.com/office/drawing/2014/main" id="{29E11D39-0B8B-4BCA-3B33-953294D27D54}"/>
               </a:ext>
             </a:extLst>
           </p:cNvPr>
@@ -306,7 +306,7 @@
           <a:bodyPr/>
           <a:lstStyle/>
           <a:p>
-            <a:fld id="{63AFC43F-3EBE-4ECC-8B98-6C03A8E84AC0}" type="slidenum">
+            <a:fld id="{D88A55BF-7D66-44D7-B3E6-D2DED6E08DA2}" type="slidenum">
               <a:rPr lang="zh-CN" altLang="en-US" smtClean="0"/>
               <a:t>‹#›</a:t>
             </a:fld>
@@ -317,7 +317,7 @@
     </p:spTree>
     <p:extLst>
       <p:ext uri="{BB962C8B-B14F-4D97-AF65-F5344CB8AC3E}">
-        <p14:creationId xmlns:p14="http://schemas.microsoft.com/office/powerpoint/2010/main" val="2267396914"/>
+        <p14:creationId xmlns:p14="http://schemas.microsoft.com/office/powerpoint/2010/main" val="2642917028"/>
       </p:ext>
     </p:extLst>
   </p:cSld>
@@ -349,7 +349,7 @@
           <p:cNvPr id="2" name="标题 1">
             <a:extLst>
               <a:ext uri="{FF2B5EF4-FFF2-40B4-BE49-F238E27FC236}">
-                <a16:creationId xmlns:a16="http://schemas.microsoft.com/office/drawing/2014/main" id="{87BAA548-3678-0385-F64F-734FA3F2F259}"/>
+                <a16:creationId xmlns:a16="http://schemas.microsoft.com/office/drawing/2014/main" id="{CB8D3E31-9792-06AC-34C7-5EAD924EA61D}"/>
               </a:ext>
             </a:extLst>
           </p:cNvPr>
@@ -377,7 +377,7 @@
           <p:cNvPr id="3" name="竖排文字占位符 2">
             <a:extLst>
               <a:ext uri="{FF2B5EF4-FFF2-40B4-BE49-F238E27FC236}">
-                <a16:creationId xmlns:a16="http://schemas.microsoft.com/office/drawing/2014/main" id="{8AB7F90C-6EE3-DE08-3D73-FFCD426881D7}"/>
+                <a16:creationId xmlns:a16="http://schemas.microsoft.com/office/drawing/2014/main" id="{2AD65D07-F8F3-A29B-2B83-5D1A6E91AB74}"/>
               </a:ext>
             </a:extLst>
           </p:cNvPr>
@@ -434,7 +434,7 @@
           <p:cNvPr id="4" name="日期占位符 3">
             <a:extLst>
               <a:ext uri="{FF2B5EF4-FFF2-40B4-BE49-F238E27FC236}">
-                <a16:creationId xmlns:a16="http://schemas.microsoft.com/office/drawing/2014/main" id="{B3782B92-8C1C-6A61-8A27-EC3107122ECA}"/>
+                <a16:creationId xmlns:a16="http://schemas.microsoft.com/office/drawing/2014/main" id="{BE3B8241-96A3-F8D5-3458-5AA37AA7D8ED}"/>
               </a:ext>
             </a:extLst>
           </p:cNvPr>
@@ -450,7 +450,7 @@
           <a:bodyPr/>
           <a:lstStyle/>
           <a:p>
-            <a:fld id="{16808282-6D15-4E97-A716-00CBC0BCCBE9}" type="datetimeFigureOut">
+            <a:fld id="{6A846043-5FAE-48B7-9EE6-82322B336491}" type="datetimeFigureOut">
               <a:rPr lang="zh-CN" altLang="en-US" smtClean="0"/>
               <a:t>2024/3/10</a:t>
             </a:fld>
@@ -463,7 +463,7 @@
           <p:cNvPr id="5" name="页脚占位符 4">
             <a:extLst>
               <a:ext uri="{FF2B5EF4-FFF2-40B4-BE49-F238E27FC236}">
-                <a16:creationId xmlns:a16="http://schemas.microsoft.com/office/drawing/2014/main" id="{7257C9AF-DA25-DFA2-6649-B417BE899E69}"/>
+                <a16:creationId xmlns:a16="http://schemas.microsoft.com/office/drawing/2014/main" id="{17C1542D-6996-2E2B-422E-435BE3AF74E0}"/>
               </a:ext>
             </a:extLst>
           </p:cNvPr>
@@ -488,7 +488,7 @@
           <p:cNvPr id="6" name="灯片编号占位符 5">
             <a:extLst>
               <a:ext uri="{FF2B5EF4-FFF2-40B4-BE49-F238E27FC236}">
-                <a16:creationId xmlns:a16="http://schemas.microsoft.com/office/drawing/2014/main" id="{6CE31FF3-DADC-5DDD-2457-94913F02616F}"/>
+                <a16:creationId xmlns:a16="http://schemas.microsoft.com/office/drawing/2014/main" id="{D214CD5D-26FD-8F13-4E39-163ACE41700C}"/>
               </a:ext>
             </a:extLst>
           </p:cNvPr>
@@ -504,7 +504,7 @@
           <a:bodyPr/>
           <a:lstStyle/>
           <a:p>
-            <a:fld id="{63AFC43F-3EBE-4ECC-8B98-6C03A8E84AC0}" type="slidenum">
+            <a:fld id="{D88A55BF-7D66-44D7-B3E6-D2DED6E08DA2}" type="slidenum">
               <a:rPr lang="zh-CN" altLang="en-US" smtClean="0"/>
               <a:t>‹#›</a:t>
             </a:fld>
@@ -515,7 +515,7 @@
     </p:spTree>
     <p:extLst>
       <p:ext uri="{BB962C8B-B14F-4D97-AF65-F5344CB8AC3E}">
-        <p14:creationId xmlns:p14="http://schemas.microsoft.com/office/powerpoint/2010/main" val="2874680712"/>
+        <p14:creationId xmlns:p14="http://schemas.microsoft.com/office/powerpoint/2010/main" val="3627985362"/>
       </p:ext>
     </p:extLst>
   </p:cSld>
@@ -547,7 +547,7 @@
           <p:cNvPr id="2" name="竖排标题 1">
             <a:extLst>
               <a:ext uri="{FF2B5EF4-FFF2-40B4-BE49-F238E27FC236}">
-                <a16:creationId xmlns:a16="http://schemas.microsoft.com/office/drawing/2014/main" id="{6EE8138C-B0B0-7D39-D031-9807E2BD4FC1}"/>
+                <a16:creationId xmlns:a16="http://schemas.microsoft.com/office/drawing/2014/main" id="{EF30150E-82AF-45EC-6073-97DDA877BEFB}"/>
               </a:ext>
             </a:extLst>
           </p:cNvPr>
@@ -580,7 +580,7 @@
           <p:cNvPr id="3" name="竖排文字占位符 2">
             <a:extLst>
               <a:ext uri="{FF2B5EF4-FFF2-40B4-BE49-F238E27FC236}">
-                <a16:creationId xmlns:a16="http://schemas.microsoft.com/office/drawing/2014/main" id="{3760E00E-DF50-BF28-661A-FF7014F42F4D}"/>
+                <a16:creationId xmlns:a16="http://schemas.microsoft.com/office/drawing/2014/main" id="{D77DFB28-DAB6-22F9-D26B-D6263D0C1057}"/>
               </a:ext>
             </a:extLst>
           </p:cNvPr>
@@ -642,7 +642,7 @@
           <p:cNvPr id="4" name="日期占位符 3">
             <a:extLst>
               <a:ext uri="{FF2B5EF4-FFF2-40B4-BE49-F238E27FC236}">
-                <a16:creationId xmlns:a16="http://schemas.microsoft.com/office/drawing/2014/main" id="{BD81301E-5E1A-9E95-B079-A90F6792C5CE}"/>
+                <a16:creationId xmlns:a16="http://schemas.microsoft.com/office/drawing/2014/main" id="{6BACFD1D-29BC-6590-01E0-E921CD70686A}"/>
               </a:ext>
             </a:extLst>
           </p:cNvPr>
@@ -658,7 +658,7 @@
           <a:bodyPr/>
           <a:lstStyle/>
           <a:p>
-            <a:fld id="{16808282-6D15-4E97-A716-00CBC0BCCBE9}" type="datetimeFigureOut">
+            <a:fld id="{6A846043-5FAE-48B7-9EE6-82322B336491}" type="datetimeFigureOut">
               <a:rPr lang="zh-CN" altLang="en-US" smtClean="0"/>
               <a:t>2024/3/10</a:t>
             </a:fld>
@@ -671,7 +671,7 @@
           <p:cNvPr id="5" name="页脚占位符 4">
             <a:extLst>
               <a:ext uri="{FF2B5EF4-FFF2-40B4-BE49-F238E27FC236}">
-                <a16:creationId xmlns:a16="http://schemas.microsoft.com/office/drawing/2014/main" id="{CECAC11D-F68A-2F4E-907B-3581425277FC}"/>
+                <a16:creationId xmlns:a16="http://schemas.microsoft.com/office/drawing/2014/main" id="{5B0E1829-0BF2-F7E6-2D09-8A4715129B0E}"/>
               </a:ext>
             </a:extLst>
           </p:cNvPr>
@@ -696,7 +696,7 @@
           <p:cNvPr id="6" name="灯片编号占位符 5">
             <a:extLst>
               <a:ext uri="{FF2B5EF4-FFF2-40B4-BE49-F238E27FC236}">
-                <a16:creationId xmlns:a16="http://schemas.microsoft.com/office/drawing/2014/main" id="{AE1690DD-D183-B3C6-2201-2E857BBEAFC0}"/>
+                <a16:creationId xmlns:a16="http://schemas.microsoft.com/office/drawing/2014/main" id="{B94852C8-58B4-0459-CA5C-51D13F9AD58E}"/>
               </a:ext>
             </a:extLst>
           </p:cNvPr>
@@ -712,7 +712,7 @@
           <a:bodyPr/>
           <a:lstStyle/>
           <a:p>
-            <a:fld id="{63AFC43F-3EBE-4ECC-8B98-6C03A8E84AC0}" type="slidenum">
+            <a:fld id="{D88A55BF-7D66-44D7-B3E6-D2DED6E08DA2}" type="slidenum">
               <a:rPr lang="zh-CN" altLang="en-US" smtClean="0"/>
               <a:t>‹#›</a:t>
             </a:fld>
@@ -723,7 +723,7 @@
     </p:spTree>
     <p:extLst>
       <p:ext uri="{BB962C8B-B14F-4D97-AF65-F5344CB8AC3E}">
-        <p14:creationId xmlns:p14="http://schemas.microsoft.com/office/powerpoint/2010/main" val="799563395"/>
+        <p14:creationId xmlns:p14="http://schemas.microsoft.com/office/powerpoint/2010/main" val="672489123"/>
       </p:ext>
     </p:extLst>
   </p:cSld>
@@ -755,7 +755,7 @@
           <p:cNvPr id="2" name="标题 1">
             <a:extLst>
               <a:ext uri="{FF2B5EF4-FFF2-40B4-BE49-F238E27FC236}">
-                <a16:creationId xmlns:a16="http://schemas.microsoft.com/office/drawing/2014/main" id="{A333B2B7-537C-9041-0B1A-2B020593E22A}"/>
+                <a16:creationId xmlns:a16="http://schemas.microsoft.com/office/drawing/2014/main" id="{955CEFD0-3D46-B9F8-2497-BCD332F3C70F}"/>
               </a:ext>
             </a:extLst>
           </p:cNvPr>
@@ -783,7 +783,7 @@
           <p:cNvPr id="3" name="内容占位符 2">
             <a:extLst>
               <a:ext uri="{FF2B5EF4-FFF2-40B4-BE49-F238E27FC236}">
-                <a16:creationId xmlns:a16="http://schemas.microsoft.com/office/drawing/2014/main" id="{C9199BB1-6316-59AF-F121-51FAB81E9F3A}"/>
+                <a16:creationId xmlns:a16="http://schemas.microsoft.com/office/drawing/2014/main" id="{58DA4396-0F90-D277-649E-3141A1CAE9A0}"/>
               </a:ext>
             </a:extLst>
           </p:cNvPr>
@@ -840,7 +840,7 @@
           <p:cNvPr id="4" name="日期占位符 3">
             <a:extLst>
               <a:ext uri="{FF2B5EF4-FFF2-40B4-BE49-F238E27FC236}">
-                <a16:creationId xmlns:a16="http://schemas.microsoft.com/office/drawing/2014/main" id="{188A7F7B-276B-F2B5-8285-E01CB86760D5}"/>
+                <a16:creationId xmlns:a16="http://schemas.microsoft.com/office/drawing/2014/main" id="{D621C704-BAD6-9805-F4AA-FE5279185613}"/>
               </a:ext>
             </a:extLst>
           </p:cNvPr>
@@ -856,7 +856,7 @@
           <a:bodyPr/>
           <a:lstStyle/>
           <a:p>
-            <a:fld id="{16808282-6D15-4E97-A716-00CBC0BCCBE9}" type="datetimeFigureOut">
+            <a:fld id="{6A846043-5FAE-48B7-9EE6-82322B336491}" type="datetimeFigureOut">
               <a:rPr lang="zh-CN" altLang="en-US" smtClean="0"/>
               <a:t>2024/3/10</a:t>
             </a:fld>
@@ -869,7 +869,7 @@
           <p:cNvPr id="5" name="页脚占位符 4">
             <a:extLst>
               <a:ext uri="{FF2B5EF4-FFF2-40B4-BE49-F238E27FC236}">
-                <a16:creationId xmlns:a16="http://schemas.microsoft.com/office/drawing/2014/main" id="{A3718D7C-002D-91C6-2616-0185E5B85037}"/>
+                <a16:creationId xmlns:a16="http://schemas.microsoft.com/office/drawing/2014/main" id="{2B6FBE55-B747-10B0-B7B8-4F2460856F79}"/>
               </a:ext>
             </a:extLst>
           </p:cNvPr>
@@ -894,7 +894,7 @@
           <p:cNvPr id="6" name="灯片编号占位符 5">
             <a:extLst>
               <a:ext uri="{FF2B5EF4-FFF2-40B4-BE49-F238E27FC236}">
-                <a16:creationId xmlns:a16="http://schemas.microsoft.com/office/drawing/2014/main" id="{9D5A0C59-E393-9D9B-74BA-BB42ABD371C7}"/>
+                <a16:creationId xmlns:a16="http://schemas.microsoft.com/office/drawing/2014/main" id="{17676045-5146-4933-90BA-706D64E5ECB2}"/>
               </a:ext>
             </a:extLst>
           </p:cNvPr>
@@ -910,7 +910,7 @@
           <a:bodyPr/>
           <a:lstStyle/>
           <a:p>
-            <a:fld id="{63AFC43F-3EBE-4ECC-8B98-6C03A8E84AC0}" type="slidenum">
+            <a:fld id="{D88A55BF-7D66-44D7-B3E6-D2DED6E08DA2}" type="slidenum">
               <a:rPr lang="zh-CN" altLang="en-US" smtClean="0"/>
               <a:t>‹#›</a:t>
             </a:fld>
@@ -921,7 +921,7 @@
     </p:spTree>
     <p:extLst>
       <p:ext uri="{BB962C8B-B14F-4D97-AF65-F5344CB8AC3E}">
-        <p14:creationId xmlns:p14="http://schemas.microsoft.com/office/powerpoint/2010/main" val="1486486778"/>
+        <p14:creationId xmlns:p14="http://schemas.microsoft.com/office/powerpoint/2010/main" val="2924833359"/>
       </p:ext>
     </p:extLst>
   </p:cSld>
@@ -953,7 +953,7 @@
           <p:cNvPr id="2" name="标题 1">
             <a:extLst>
               <a:ext uri="{FF2B5EF4-FFF2-40B4-BE49-F238E27FC236}">
-                <a16:creationId xmlns:a16="http://schemas.microsoft.com/office/drawing/2014/main" id="{BC08C7E6-2808-A98C-B3C7-E41723C9617C}"/>
+                <a16:creationId xmlns:a16="http://schemas.microsoft.com/office/drawing/2014/main" id="{186D08BD-A6C5-D2D3-0880-890553611C3B}"/>
               </a:ext>
             </a:extLst>
           </p:cNvPr>
@@ -990,7 +990,7 @@
           <p:cNvPr id="3" name="文本占位符 2">
             <a:extLst>
               <a:ext uri="{FF2B5EF4-FFF2-40B4-BE49-F238E27FC236}">
-                <a16:creationId xmlns:a16="http://schemas.microsoft.com/office/drawing/2014/main" id="{42C009E8-FE45-1092-D7B3-D503CB2F14AE}"/>
+                <a16:creationId xmlns:a16="http://schemas.microsoft.com/office/drawing/2014/main" id="{9D91449E-0F4C-702F-1EFA-AC76A2C701A3}"/>
               </a:ext>
             </a:extLst>
           </p:cNvPr>
@@ -1115,7 +1115,7 @@
           <p:cNvPr id="4" name="日期占位符 3">
             <a:extLst>
               <a:ext uri="{FF2B5EF4-FFF2-40B4-BE49-F238E27FC236}">
-                <a16:creationId xmlns:a16="http://schemas.microsoft.com/office/drawing/2014/main" id="{7C0E0491-8FF1-A971-3874-89B59AAE224D}"/>
+                <a16:creationId xmlns:a16="http://schemas.microsoft.com/office/drawing/2014/main" id="{B18DB9AA-6479-2C47-3BBA-5DE3327A632E}"/>
               </a:ext>
             </a:extLst>
           </p:cNvPr>
@@ -1131,7 +1131,7 @@
           <a:bodyPr/>
           <a:lstStyle/>
           <a:p>
-            <a:fld id="{16808282-6D15-4E97-A716-00CBC0BCCBE9}" type="datetimeFigureOut">
+            <a:fld id="{6A846043-5FAE-48B7-9EE6-82322B336491}" type="datetimeFigureOut">
               <a:rPr lang="zh-CN" altLang="en-US" smtClean="0"/>
               <a:t>2024/3/10</a:t>
             </a:fld>
@@ -1144,7 +1144,7 @@
           <p:cNvPr id="5" name="页脚占位符 4">
             <a:extLst>
               <a:ext uri="{FF2B5EF4-FFF2-40B4-BE49-F238E27FC236}">
-                <a16:creationId xmlns:a16="http://schemas.microsoft.com/office/drawing/2014/main" id="{509363CC-5C9D-4303-16FE-CA600CBB7A0E}"/>
+                <a16:creationId xmlns:a16="http://schemas.microsoft.com/office/drawing/2014/main" id="{788874E3-1F28-7FAB-934A-08B1B70AA463}"/>
               </a:ext>
             </a:extLst>
           </p:cNvPr>
@@ -1169,7 +1169,7 @@
           <p:cNvPr id="6" name="灯片编号占位符 5">
             <a:extLst>
               <a:ext uri="{FF2B5EF4-FFF2-40B4-BE49-F238E27FC236}">
-                <a16:creationId xmlns:a16="http://schemas.microsoft.com/office/drawing/2014/main" id="{4F7C7C5B-690B-2623-043A-3E98F892B448}"/>
+                <a16:creationId xmlns:a16="http://schemas.microsoft.com/office/drawing/2014/main" id="{27251F4B-814D-1E6B-A02F-4820930BA1E4}"/>
               </a:ext>
             </a:extLst>
           </p:cNvPr>
@@ -1185,7 +1185,7 @@
           <a:bodyPr/>
           <a:lstStyle/>
           <a:p>
-            <a:fld id="{63AFC43F-3EBE-4ECC-8B98-6C03A8E84AC0}" type="slidenum">
+            <a:fld id="{D88A55BF-7D66-44D7-B3E6-D2DED6E08DA2}" type="slidenum">
               <a:rPr lang="zh-CN" altLang="en-US" smtClean="0"/>
               <a:t>‹#›</a:t>
             </a:fld>
@@ -1196,7 +1196,7 @@
     </p:spTree>
     <p:extLst>
       <p:ext uri="{BB962C8B-B14F-4D97-AF65-F5344CB8AC3E}">
-        <p14:creationId xmlns:p14="http://schemas.microsoft.com/office/powerpoint/2010/main" val="2132568435"/>
+        <p14:creationId xmlns:p14="http://schemas.microsoft.com/office/powerpoint/2010/main" val="2018104459"/>
       </p:ext>
     </p:extLst>
   </p:cSld>
@@ -1228,7 +1228,7 @@
           <p:cNvPr id="2" name="标题 1">
             <a:extLst>
               <a:ext uri="{FF2B5EF4-FFF2-40B4-BE49-F238E27FC236}">
-                <a16:creationId xmlns:a16="http://schemas.microsoft.com/office/drawing/2014/main" id="{C25E29B5-443E-CCF4-2760-53C8480D9B5D}"/>
+                <a16:creationId xmlns:a16="http://schemas.microsoft.com/office/drawing/2014/main" id="{C611BE03-1441-68FA-EBC5-5D1CCC2EFC41}"/>
               </a:ext>
             </a:extLst>
           </p:cNvPr>
@@ -1256,7 +1256,7 @@
           <p:cNvPr id="3" name="内容占位符 2">
             <a:extLst>
               <a:ext uri="{FF2B5EF4-FFF2-40B4-BE49-F238E27FC236}">
-                <a16:creationId xmlns:a16="http://schemas.microsoft.com/office/drawing/2014/main" id="{BD2A3A5A-82EC-C392-BBD6-5BE48054B591}"/>
+                <a16:creationId xmlns:a16="http://schemas.microsoft.com/office/drawing/2014/main" id="{826193FC-27F6-891A-12C2-F410F33FFEC5}"/>
               </a:ext>
             </a:extLst>
           </p:cNvPr>
@@ -1318,7 +1318,7 @@
           <p:cNvPr id="4" name="内容占位符 3">
             <a:extLst>
               <a:ext uri="{FF2B5EF4-FFF2-40B4-BE49-F238E27FC236}">
-                <a16:creationId xmlns:a16="http://schemas.microsoft.com/office/drawing/2014/main" id="{A346B6EA-BB1D-39BF-DDA7-08757B9630BF}"/>
+                <a16:creationId xmlns:a16="http://schemas.microsoft.com/office/drawing/2014/main" id="{1226DA50-5978-27C9-A15E-A273A64E57A5}"/>
               </a:ext>
             </a:extLst>
           </p:cNvPr>
@@ -1380,7 +1380,7 @@
           <p:cNvPr id="5" name="日期占位符 4">
             <a:extLst>
               <a:ext uri="{FF2B5EF4-FFF2-40B4-BE49-F238E27FC236}">
-                <a16:creationId xmlns:a16="http://schemas.microsoft.com/office/drawing/2014/main" id="{0419E0F8-0A9F-DA5A-CFD6-B664C41420B9}"/>
+                <a16:creationId xmlns:a16="http://schemas.microsoft.com/office/drawing/2014/main" id="{3AEA1D91-A24C-25DC-2406-3033B85B4C36}"/>
               </a:ext>
             </a:extLst>
           </p:cNvPr>
@@ -1396,7 +1396,7 @@
           <a:bodyPr/>
           <a:lstStyle/>
           <a:p>
-            <a:fld id="{16808282-6D15-4E97-A716-00CBC0BCCBE9}" type="datetimeFigureOut">
+            <a:fld id="{6A846043-5FAE-48B7-9EE6-82322B336491}" type="datetimeFigureOut">
               <a:rPr lang="zh-CN" altLang="en-US" smtClean="0"/>
               <a:t>2024/3/10</a:t>
             </a:fld>
@@ -1409,7 +1409,7 @@
           <p:cNvPr id="6" name="页脚占位符 5">
             <a:extLst>
               <a:ext uri="{FF2B5EF4-FFF2-40B4-BE49-F238E27FC236}">
-                <a16:creationId xmlns:a16="http://schemas.microsoft.com/office/drawing/2014/main" id="{BDC0A5FF-73BE-A3F2-0ADC-7A03C08C537E}"/>
+                <a16:creationId xmlns:a16="http://schemas.microsoft.com/office/drawing/2014/main" id="{C12D6AAC-4EC7-5492-83B8-53A8A2ABC7B1}"/>
               </a:ext>
             </a:extLst>
           </p:cNvPr>
@@ -1434,7 +1434,7 @@
           <p:cNvPr id="7" name="灯片编号占位符 6">
             <a:extLst>
               <a:ext uri="{FF2B5EF4-FFF2-40B4-BE49-F238E27FC236}">
-                <a16:creationId xmlns:a16="http://schemas.microsoft.com/office/drawing/2014/main" id="{C147A4F5-5A60-D7C5-4802-9B3B582EC4C8}"/>
+                <a16:creationId xmlns:a16="http://schemas.microsoft.com/office/drawing/2014/main" id="{B6221E7F-BAD1-79A9-678A-8A027919001B}"/>
               </a:ext>
             </a:extLst>
           </p:cNvPr>
@@ -1450,7 +1450,7 @@
           <a:bodyPr/>
           <a:lstStyle/>
           <a:p>
-            <a:fld id="{63AFC43F-3EBE-4ECC-8B98-6C03A8E84AC0}" type="slidenum">
+            <a:fld id="{D88A55BF-7D66-44D7-B3E6-D2DED6E08DA2}" type="slidenum">
               <a:rPr lang="zh-CN" altLang="en-US" smtClean="0"/>
               <a:t>‹#›</a:t>
             </a:fld>
@@ -1461,7 +1461,7 @@
     </p:spTree>
     <p:extLst>
       <p:ext uri="{BB962C8B-B14F-4D97-AF65-F5344CB8AC3E}">
-        <p14:creationId xmlns:p14="http://schemas.microsoft.com/office/powerpoint/2010/main" val="4145197510"/>
+        <p14:creationId xmlns:p14="http://schemas.microsoft.com/office/powerpoint/2010/main" val="51089494"/>
       </p:ext>
     </p:extLst>
   </p:cSld>
@@ -1493,7 +1493,7 @@
           <p:cNvPr id="2" name="标题 1">
             <a:extLst>
               <a:ext uri="{FF2B5EF4-FFF2-40B4-BE49-F238E27FC236}">
-                <a16:creationId xmlns:a16="http://schemas.microsoft.com/office/drawing/2014/main" id="{9F572EC8-A890-0500-38AC-5EEB16F83510}"/>
+                <a16:creationId xmlns:a16="http://schemas.microsoft.com/office/drawing/2014/main" id="{17478792-171C-BFBF-50C5-59BDAD832D8E}"/>
               </a:ext>
             </a:extLst>
           </p:cNvPr>
@@ -1526,7 +1526,7 @@
           <p:cNvPr id="3" name="文本占位符 2">
             <a:extLst>
               <a:ext uri="{FF2B5EF4-FFF2-40B4-BE49-F238E27FC236}">
-                <a16:creationId xmlns:a16="http://schemas.microsoft.com/office/drawing/2014/main" id="{15C31C52-C71C-8559-6520-19F09D5F4B06}"/>
+                <a16:creationId xmlns:a16="http://schemas.microsoft.com/office/drawing/2014/main" id="{77CAA6FA-8CD3-F5B9-781B-B636CF2D6F36}"/>
               </a:ext>
             </a:extLst>
           </p:cNvPr>
@@ -1597,7 +1597,7 @@
           <p:cNvPr id="4" name="内容占位符 3">
             <a:extLst>
               <a:ext uri="{FF2B5EF4-FFF2-40B4-BE49-F238E27FC236}">
-                <a16:creationId xmlns:a16="http://schemas.microsoft.com/office/drawing/2014/main" id="{466878C2-086A-97CE-B2AD-30219FC061BB}"/>
+                <a16:creationId xmlns:a16="http://schemas.microsoft.com/office/drawing/2014/main" id="{9E5B1CD9-0F5E-F0B8-768A-8C8B0D54C476}"/>
               </a:ext>
             </a:extLst>
           </p:cNvPr>
@@ -1659,7 +1659,7 @@
           <p:cNvPr id="5" name="文本占位符 4">
             <a:extLst>
               <a:ext uri="{FF2B5EF4-FFF2-40B4-BE49-F238E27FC236}">
-                <a16:creationId xmlns:a16="http://schemas.microsoft.com/office/drawing/2014/main" id="{E9D6E097-B367-9404-DC08-D3EEA49859F8}"/>
+                <a16:creationId xmlns:a16="http://schemas.microsoft.com/office/drawing/2014/main" id="{FA9A8685-6A6F-2666-C90E-EF91478B8E3C}"/>
               </a:ext>
             </a:extLst>
           </p:cNvPr>
@@ -1730,7 +1730,7 @@
           <p:cNvPr id="6" name="内容占位符 5">
             <a:extLst>
               <a:ext uri="{FF2B5EF4-FFF2-40B4-BE49-F238E27FC236}">
-                <a16:creationId xmlns:a16="http://schemas.microsoft.com/office/drawing/2014/main" id="{F9BB6728-3582-F483-C08D-77DC99814DD1}"/>
+                <a16:creationId xmlns:a16="http://schemas.microsoft.com/office/drawing/2014/main" id="{ED2848C5-E473-C766-17FC-DF43D054985B}"/>
               </a:ext>
             </a:extLst>
           </p:cNvPr>
@@ -1792,7 +1792,7 @@
           <p:cNvPr id="7" name="日期占位符 6">
             <a:extLst>
               <a:ext uri="{FF2B5EF4-FFF2-40B4-BE49-F238E27FC236}">
-                <a16:creationId xmlns:a16="http://schemas.microsoft.com/office/drawing/2014/main" id="{B59B2479-5C23-4069-9DB4-7A460A40EAD0}"/>
+                <a16:creationId xmlns:a16="http://schemas.microsoft.com/office/drawing/2014/main" id="{46BA6E58-D47D-C5D1-5D96-1BB37F107F3E}"/>
               </a:ext>
             </a:extLst>
           </p:cNvPr>
@@ -1808,7 +1808,7 @@
           <a:bodyPr/>
           <a:lstStyle/>
           <a:p>
-            <a:fld id="{16808282-6D15-4E97-A716-00CBC0BCCBE9}" type="datetimeFigureOut">
+            <a:fld id="{6A846043-5FAE-48B7-9EE6-82322B336491}" type="datetimeFigureOut">
               <a:rPr lang="zh-CN" altLang="en-US" smtClean="0"/>
               <a:t>2024/3/10</a:t>
             </a:fld>
@@ -1821,7 +1821,7 @@
           <p:cNvPr id="8" name="页脚占位符 7">
             <a:extLst>
               <a:ext uri="{FF2B5EF4-FFF2-40B4-BE49-F238E27FC236}">
-                <a16:creationId xmlns:a16="http://schemas.microsoft.com/office/drawing/2014/main" id="{ADB49F19-5D7C-EDD5-5180-15E59CAB9E87}"/>
+                <a16:creationId xmlns:a16="http://schemas.microsoft.com/office/drawing/2014/main" id="{09F93E21-7A1A-0B22-4381-2CF126EE4F2F}"/>
               </a:ext>
             </a:extLst>
           </p:cNvPr>
@@ -1846,7 +1846,7 @@
           <p:cNvPr id="9" name="灯片编号占位符 8">
             <a:extLst>
               <a:ext uri="{FF2B5EF4-FFF2-40B4-BE49-F238E27FC236}">
-                <a16:creationId xmlns:a16="http://schemas.microsoft.com/office/drawing/2014/main" id="{42A03373-FBF1-DE88-58F9-8A94A558F616}"/>
+                <a16:creationId xmlns:a16="http://schemas.microsoft.com/office/drawing/2014/main" id="{206C7889-9C9D-C09F-DA12-AE87138CDC89}"/>
               </a:ext>
             </a:extLst>
           </p:cNvPr>
@@ -1862,7 +1862,7 @@
           <a:bodyPr/>
           <a:lstStyle/>
           <a:p>
-            <a:fld id="{63AFC43F-3EBE-4ECC-8B98-6C03A8E84AC0}" type="slidenum">
+            <a:fld id="{D88A55BF-7D66-44D7-B3E6-D2DED6E08DA2}" type="slidenum">
               <a:rPr lang="zh-CN" altLang="en-US" smtClean="0"/>
               <a:t>‹#›</a:t>
             </a:fld>
@@ -1873,7 +1873,7 @@
     </p:spTree>
     <p:extLst>
       <p:ext uri="{BB962C8B-B14F-4D97-AF65-F5344CB8AC3E}">
-        <p14:creationId xmlns:p14="http://schemas.microsoft.com/office/powerpoint/2010/main" val="1084894895"/>
+        <p14:creationId xmlns:p14="http://schemas.microsoft.com/office/powerpoint/2010/main" val="2154297930"/>
       </p:ext>
     </p:extLst>
   </p:cSld>
@@ -1905,7 +1905,7 @@
           <p:cNvPr id="2" name="标题 1">
             <a:extLst>
               <a:ext uri="{FF2B5EF4-FFF2-40B4-BE49-F238E27FC236}">
-                <a16:creationId xmlns:a16="http://schemas.microsoft.com/office/drawing/2014/main" id="{8C5BAA1A-7042-6C62-2B40-65E7AE901FC9}"/>
+                <a16:creationId xmlns:a16="http://schemas.microsoft.com/office/drawing/2014/main" id="{8FC28698-AB8B-E8A8-AFD3-AE9B2354F851}"/>
               </a:ext>
             </a:extLst>
           </p:cNvPr>
@@ -1933,7 +1933,7 @@
           <p:cNvPr id="3" name="日期占位符 2">
             <a:extLst>
               <a:ext uri="{FF2B5EF4-FFF2-40B4-BE49-F238E27FC236}">
-                <a16:creationId xmlns:a16="http://schemas.microsoft.com/office/drawing/2014/main" id="{DA981A6B-F5FC-104A-0ADF-8AF4E41286BA}"/>
+                <a16:creationId xmlns:a16="http://schemas.microsoft.com/office/drawing/2014/main" id="{6201AE9B-93D0-23EC-2123-B89FE35634AE}"/>
               </a:ext>
             </a:extLst>
           </p:cNvPr>
@@ -1949,7 +1949,7 @@
           <a:bodyPr/>
           <a:lstStyle/>
           <a:p>
-            <a:fld id="{16808282-6D15-4E97-A716-00CBC0BCCBE9}" type="datetimeFigureOut">
+            <a:fld id="{6A846043-5FAE-48B7-9EE6-82322B336491}" type="datetimeFigureOut">
               <a:rPr lang="zh-CN" altLang="en-US" smtClean="0"/>
               <a:t>2024/3/10</a:t>
             </a:fld>
@@ -1962,7 +1962,7 @@
           <p:cNvPr id="4" name="页脚占位符 3">
             <a:extLst>
               <a:ext uri="{FF2B5EF4-FFF2-40B4-BE49-F238E27FC236}">
-                <a16:creationId xmlns:a16="http://schemas.microsoft.com/office/drawing/2014/main" id="{7DC8DFFA-9731-C682-39A2-D4AA9A8D8CE1}"/>
+                <a16:creationId xmlns:a16="http://schemas.microsoft.com/office/drawing/2014/main" id="{C4626DA4-9108-9DC4-00A5-4C4F1153C458}"/>
               </a:ext>
             </a:extLst>
           </p:cNvPr>
@@ -1987,7 +1987,7 @@
           <p:cNvPr id="5" name="灯片编号占位符 4">
             <a:extLst>
               <a:ext uri="{FF2B5EF4-FFF2-40B4-BE49-F238E27FC236}">
-                <a16:creationId xmlns:a16="http://schemas.microsoft.com/office/drawing/2014/main" id="{881F1FBA-8E91-9F13-A031-6A73C97D8717}"/>
+                <a16:creationId xmlns:a16="http://schemas.microsoft.com/office/drawing/2014/main" id="{45B68769-65C3-708A-14CF-A639EC9970C4}"/>
               </a:ext>
             </a:extLst>
           </p:cNvPr>
@@ -2003,7 +2003,7 @@
           <a:bodyPr/>
           <a:lstStyle/>
           <a:p>
-            <a:fld id="{63AFC43F-3EBE-4ECC-8B98-6C03A8E84AC0}" type="slidenum">
+            <a:fld id="{D88A55BF-7D66-44D7-B3E6-D2DED6E08DA2}" type="slidenum">
               <a:rPr lang="zh-CN" altLang="en-US" smtClean="0"/>
               <a:t>‹#›</a:t>
             </a:fld>
@@ -2014,7 +2014,7 @@
     </p:spTree>
     <p:extLst>
       <p:ext uri="{BB962C8B-B14F-4D97-AF65-F5344CB8AC3E}">
-        <p14:creationId xmlns:p14="http://schemas.microsoft.com/office/powerpoint/2010/main" val="3789091076"/>
+        <p14:creationId xmlns:p14="http://schemas.microsoft.com/office/powerpoint/2010/main" val="2903784710"/>
       </p:ext>
     </p:extLst>
   </p:cSld>
@@ -2046,7 +2046,7 @@
           <p:cNvPr id="2" name="日期占位符 1">
             <a:extLst>
               <a:ext uri="{FF2B5EF4-FFF2-40B4-BE49-F238E27FC236}">
-                <a16:creationId xmlns:a16="http://schemas.microsoft.com/office/drawing/2014/main" id="{F63F9823-B362-6FDE-34CF-3F13CCC41547}"/>
+                <a16:creationId xmlns:a16="http://schemas.microsoft.com/office/drawing/2014/main" id="{DE422DA9-7E87-420B-E601-FBFA9B3BE26F}"/>
               </a:ext>
             </a:extLst>
           </p:cNvPr>
@@ -2062,7 +2062,7 @@
           <a:bodyPr/>
           <a:lstStyle/>
           <a:p>
-            <a:fld id="{16808282-6D15-4E97-A716-00CBC0BCCBE9}" type="datetimeFigureOut">
+            <a:fld id="{6A846043-5FAE-48B7-9EE6-82322B336491}" type="datetimeFigureOut">
               <a:rPr lang="zh-CN" altLang="en-US" smtClean="0"/>
               <a:t>2024/3/10</a:t>
             </a:fld>
@@ -2075,7 +2075,7 @@
           <p:cNvPr id="3" name="页脚占位符 2">
             <a:extLst>
               <a:ext uri="{FF2B5EF4-FFF2-40B4-BE49-F238E27FC236}">
-                <a16:creationId xmlns:a16="http://schemas.microsoft.com/office/drawing/2014/main" id="{9CFCA729-BB0D-33F9-BB74-9C2BBD23BFCB}"/>
+                <a16:creationId xmlns:a16="http://schemas.microsoft.com/office/drawing/2014/main" id="{9993D595-04B8-188D-8811-4EDE55F108F3}"/>
               </a:ext>
             </a:extLst>
           </p:cNvPr>
@@ -2100,7 +2100,7 @@
           <p:cNvPr id="4" name="灯片编号占位符 3">
             <a:extLst>
               <a:ext uri="{FF2B5EF4-FFF2-40B4-BE49-F238E27FC236}">
-                <a16:creationId xmlns:a16="http://schemas.microsoft.com/office/drawing/2014/main" id="{793DC0FE-2310-8CAE-8E55-BFDB88A7F5DF}"/>
+                <a16:creationId xmlns:a16="http://schemas.microsoft.com/office/drawing/2014/main" id="{09E436A0-C86D-03B1-2F18-D4F7414F2794}"/>
               </a:ext>
             </a:extLst>
           </p:cNvPr>
@@ -2116,7 +2116,7 @@
           <a:bodyPr/>
           <a:lstStyle/>
           <a:p>
-            <a:fld id="{63AFC43F-3EBE-4ECC-8B98-6C03A8E84AC0}" type="slidenum">
+            <a:fld id="{D88A55BF-7D66-44D7-B3E6-D2DED6E08DA2}" type="slidenum">
               <a:rPr lang="zh-CN" altLang="en-US" smtClean="0"/>
               <a:t>‹#›</a:t>
             </a:fld>
@@ -2127,7 +2127,7 @@
     </p:spTree>
     <p:extLst>
       <p:ext uri="{BB962C8B-B14F-4D97-AF65-F5344CB8AC3E}">
-        <p14:creationId xmlns:p14="http://schemas.microsoft.com/office/powerpoint/2010/main" val="2284515231"/>
+        <p14:creationId xmlns:p14="http://schemas.microsoft.com/office/powerpoint/2010/main" val="2575326017"/>
       </p:ext>
     </p:extLst>
   </p:cSld>
@@ -2159,7 +2159,7 @@
           <p:cNvPr id="2" name="标题 1">
             <a:extLst>
               <a:ext uri="{FF2B5EF4-FFF2-40B4-BE49-F238E27FC236}">
-                <a16:creationId xmlns:a16="http://schemas.microsoft.com/office/drawing/2014/main" id="{7E218273-54BE-41BC-EB2D-13F280E1EA3A}"/>
+                <a16:creationId xmlns:a16="http://schemas.microsoft.com/office/drawing/2014/main" id="{E6D08DEC-B99C-0873-93A8-32C955CF0927}"/>
               </a:ext>
             </a:extLst>
           </p:cNvPr>
@@ -2196,7 +2196,7 @@
           <p:cNvPr id="3" name="内容占位符 2">
             <a:extLst>
               <a:ext uri="{FF2B5EF4-FFF2-40B4-BE49-F238E27FC236}">
-                <a16:creationId xmlns:a16="http://schemas.microsoft.com/office/drawing/2014/main" id="{07E8CCA1-5191-89D9-399C-0073F3C065D7}"/>
+                <a16:creationId xmlns:a16="http://schemas.microsoft.com/office/drawing/2014/main" id="{5F9128D4-1B3E-0A34-F24C-72FDE20A2BD5}"/>
               </a:ext>
             </a:extLst>
           </p:cNvPr>
@@ -2286,7 +2286,7 @@
           <p:cNvPr id="4" name="文本占位符 3">
             <a:extLst>
               <a:ext uri="{FF2B5EF4-FFF2-40B4-BE49-F238E27FC236}">
-                <a16:creationId xmlns:a16="http://schemas.microsoft.com/office/drawing/2014/main" id="{B0AB7F69-402C-7EF7-F36B-5D04C2BC1B0C}"/>
+                <a16:creationId xmlns:a16="http://schemas.microsoft.com/office/drawing/2014/main" id="{A7F63A49-D424-9A01-230E-99BD7E2632B1}"/>
               </a:ext>
             </a:extLst>
           </p:cNvPr>
@@ -2357,7 +2357,7 @@
           <p:cNvPr id="5" name="日期占位符 4">
             <a:extLst>
               <a:ext uri="{FF2B5EF4-FFF2-40B4-BE49-F238E27FC236}">
-                <a16:creationId xmlns:a16="http://schemas.microsoft.com/office/drawing/2014/main" id="{CD27ECA3-A2B3-4D2F-452B-0D8E5CB96D16}"/>
+                <a16:creationId xmlns:a16="http://schemas.microsoft.com/office/drawing/2014/main" id="{B67FEAE9-C73F-D181-31F1-106DCEFC4577}"/>
               </a:ext>
             </a:extLst>
           </p:cNvPr>
@@ -2373,7 +2373,7 @@
           <a:bodyPr/>
           <a:lstStyle/>
           <a:p>
-            <a:fld id="{16808282-6D15-4E97-A716-00CBC0BCCBE9}" type="datetimeFigureOut">
+            <a:fld id="{6A846043-5FAE-48B7-9EE6-82322B336491}" type="datetimeFigureOut">
               <a:rPr lang="zh-CN" altLang="en-US" smtClean="0"/>
               <a:t>2024/3/10</a:t>
             </a:fld>
@@ -2386,7 +2386,7 @@
           <p:cNvPr id="6" name="页脚占位符 5">
             <a:extLst>
               <a:ext uri="{FF2B5EF4-FFF2-40B4-BE49-F238E27FC236}">
-                <a16:creationId xmlns:a16="http://schemas.microsoft.com/office/drawing/2014/main" id="{5549C1F4-C517-6DBF-CC3A-829CEA42F9BD}"/>
+                <a16:creationId xmlns:a16="http://schemas.microsoft.com/office/drawing/2014/main" id="{0B98739D-02DB-1186-B96B-0CA381B4B52F}"/>
               </a:ext>
             </a:extLst>
           </p:cNvPr>
@@ -2411,7 +2411,7 @@
           <p:cNvPr id="7" name="灯片编号占位符 6">
             <a:extLst>
               <a:ext uri="{FF2B5EF4-FFF2-40B4-BE49-F238E27FC236}">
-                <a16:creationId xmlns:a16="http://schemas.microsoft.com/office/drawing/2014/main" id="{22AA35D6-EC78-E694-B647-C803FCBCB7C1}"/>
+                <a16:creationId xmlns:a16="http://schemas.microsoft.com/office/drawing/2014/main" id="{F00FE82F-2B90-241D-C82E-CE0B6617960A}"/>
               </a:ext>
             </a:extLst>
           </p:cNvPr>
@@ -2427,7 +2427,7 @@
           <a:bodyPr/>
           <a:lstStyle/>
           <a:p>
-            <a:fld id="{63AFC43F-3EBE-4ECC-8B98-6C03A8E84AC0}" type="slidenum">
+            <a:fld id="{D88A55BF-7D66-44D7-B3E6-D2DED6E08DA2}" type="slidenum">
               <a:rPr lang="zh-CN" altLang="en-US" smtClean="0"/>
               <a:t>‹#›</a:t>
             </a:fld>
@@ -2438,7 +2438,7 @@
     </p:spTree>
     <p:extLst>
       <p:ext uri="{BB962C8B-B14F-4D97-AF65-F5344CB8AC3E}">
-        <p14:creationId xmlns:p14="http://schemas.microsoft.com/office/powerpoint/2010/main" val="3880089682"/>
+        <p14:creationId xmlns:p14="http://schemas.microsoft.com/office/powerpoint/2010/main" val="165625774"/>
       </p:ext>
     </p:extLst>
   </p:cSld>
@@ -2470,7 +2470,7 @@
           <p:cNvPr id="2" name="标题 1">
             <a:extLst>
               <a:ext uri="{FF2B5EF4-FFF2-40B4-BE49-F238E27FC236}">
-                <a16:creationId xmlns:a16="http://schemas.microsoft.com/office/drawing/2014/main" id="{ACCFC1CD-A41F-BB16-1A69-48969B4BAAFB}"/>
+                <a16:creationId xmlns:a16="http://schemas.microsoft.com/office/drawing/2014/main" id="{32BD2EAE-B8D8-9EE7-607B-988070DBFB6D}"/>
               </a:ext>
             </a:extLst>
           </p:cNvPr>
@@ -2507,7 +2507,7 @@
           <p:cNvPr id="3" name="图片占位符 2">
             <a:extLst>
               <a:ext uri="{FF2B5EF4-FFF2-40B4-BE49-F238E27FC236}">
-                <a16:creationId xmlns:a16="http://schemas.microsoft.com/office/drawing/2014/main" id="{9C7EBA13-4C7B-6F3B-B4A1-14B76B0DE0FE}"/>
+                <a16:creationId xmlns:a16="http://schemas.microsoft.com/office/drawing/2014/main" id="{2681366D-3C92-613B-085C-DE9872BB11A9}"/>
               </a:ext>
             </a:extLst>
           </p:cNvPr>
@@ -2574,7 +2574,7 @@
           <p:cNvPr id="4" name="文本占位符 3">
             <a:extLst>
               <a:ext uri="{FF2B5EF4-FFF2-40B4-BE49-F238E27FC236}">
-                <a16:creationId xmlns:a16="http://schemas.microsoft.com/office/drawing/2014/main" id="{BC8DBC08-6CA1-BBA3-0191-2A89CC04E7EE}"/>
+                <a16:creationId xmlns:a16="http://schemas.microsoft.com/office/drawing/2014/main" id="{032BFD9D-6441-EA1B-F8B9-DA875722FC12}"/>
               </a:ext>
             </a:extLst>
           </p:cNvPr>
@@ -2645,7 +2645,7 @@
           <p:cNvPr id="5" name="日期占位符 4">
             <a:extLst>
               <a:ext uri="{FF2B5EF4-FFF2-40B4-BE49-F238E27FC236}">
-                <a16:creationId xmlns:a16="http://schemas.microsoft.com/office/drawing/2014/main" id="{AC5ED2E1-A4F1-989C-A4B2-B818F5652694}"/>
+                <a16:creationId xmlns:a16="http://schemas.microsoft.com/office/drawing/2014/main" id="{75BA3D53-F1C0-DE64-C8B5-1E27462BE828}"/>
               </a:ext>
             </a:extLst>
           </p:cNvPr>
@@ -2661,7 +2661,7 @@
           <a:bodyPr/>
           <a:lstStyle/>
           <a:p>
-            <a:fld id="{16808282-6D15-4E97-A716-00CBC0BCCBE9}" type="datetimeFigureOut">
+            <a:fld id="{6A846043-5FAE-48B7-9EE6-82322B336491}" type="datetimeFigureOut">
               <a:rPr lang="zh-CN" altLang="en-US" smtClean="0"/>
               <a:t>2024/3/10</a:t>
             </a:fld>
@@ -2674,7 +2674,7 @@
           <p:cNvPr id="6" name="页脚占位符 5">
             <a:extLst>
               <a:ext uri="{FF2B5EF4-FFF2-40B4-BE49-F238E27FC236}">
-                <a16:creationId xmlns:a16="http://schemas.microsoft.com/office/drawing/2014/main" id="{3DB96BDD-0A0A-AE5A-CF9B-86B01C588AA6}"/>
+                <a16:creationId xmlns:a16="http://schemas.microsoft.com/office/drawing/2014/main" id="{C5C0FDF9-584F-87E3-A10C-296C6F67356F}"/>
               </a:ext>
             </a:extLst>
           </p:cNvPr>
@@ -2699,7 +2699,7 @@
           <p:cNvPr id="7" name="灯片编号占位符 6">
             <a:extLst>
               <a:ext uri="{FF2B5EF4-FFF2-40B4-BE49-F238E27FC236}">
-                <a16:creationId xmlns:a16="http://schemas.microsoft.com/office/drawing/2014/main" id="{38EB109D-2C34-3350-09C3-5D020940816A}"/>
+                <a16:creationId xmlns:a16="http://schemas.microsoft.com/office/drawing/2014/main" id="{E6ABBC5A-F211-4B63-4A2C-E26E7F462BC4}"/>
               </a:ext>
             </a:extLst>
           </p:cNvPr>
@@ -2715,7 +2715,7 @@
           <a:bodyPr/>
           <a:lstStyle/>
           <a:p>
-            <a:fld id="{63AFC43F-3EBE-4ECC-8B98-6C03A8E84AC0}" type="slidenum">
+            <a:fld id="{D88A55BF-7D66-44D7-B3E6-D2DED6E08DA2}" type="slidenum">
               <a:rPr lang="zh-CN" altLang="en-US" smtClean="0"/>
               <a:t>‹#›</a:t>
             </a:fld>
@@ -2726,7 +2726,7 @@
     </p:spTree>
     <p:extLst>
       <p:ext uri="{BB962C8B-B14F-4D97-AF65-F5344CB8AC3E}">
-        <p14:creationId xmlns:p14="http://schemas.microsoft.com/office/powerpoint/2010/main" val="1213953020"/>
+        <p14:creationId xmlns:p14="http://schemas.microsoft.com/office/powerpoint/2010/main" val="3284903687"/>
       </p:ext>
     </p:extLst>
   </p:cSld>
@@ -2763,7 +2763,7 @@
           <p:cNvPr id="2" name="标题占位符 1">
             <a:extLst>
               <a:ext uri="{FF2B5EF4-FFF2-40B4-BE49-F238E27FC236}">
-                <a16:creationId xmlns:a16="http://schemas.microsoft.com/office/drawing/2014/main" id="{3E1AF6E1-5DD4-8E86-A5E2-9B10CD4F0BCC}"/>
+                <a16:creationId xmlns:a16="http://schemas.microsoft.com/office/drawing/2014/main" id="{392CEDD9-B67F-C558-D481-325E56CE7DDB}"/>
               </a:ext>
             </a:extLst>
           </p:cNvPr>
@@ -2801,7 +2801,7 @@
           <p:cNvPr id="3" name="文本占位符 2">
             <a:extLst>
               <a:ext uri="{FF2B5EF4-FFF2-40B4-BE49-F238E27FC236}">
-                <a16:creationId xmlns:a16="http://schemas.microsoft.com/office/drawing/2014/main" id="{4002C418-35DE-27CF-2418-D27138ABAA76}"/>
+                <a16:creationId xmlns:a16="http://schemas.microsoft.com/office/drawing/2014/main" id="{342C594A-2E3B-76FF-5A1F-20EB45413279}"/>
               </a:ext>
             </a:extLst>
           </p:cNvPr>
@@ -2868,7 +2868,7 @@
           <p:cNvPr id="4" name="日期占位符 3">
             <a:extLst>
               <a:ext uri="{FF2B5EF4-FFF2-40B4-BE49-F238E27FC236}">
-                <a16:creationId xmlns:a16="http://schemas.microsoft.com/office/drawing/2014/main" id="{F7FC2CFA-FFA6-1FF0-22BB-A2B739EDB8F6}"/>
+                <a16:creationId xmlns:a16="http://schemas.microsoft.com/office/drawing/2014/main" id="{47AE01AF-DAB5-2134-D676-68AA1181D92B}"/>
               </a:ext>
             </a:extLst>
           </p:cNvPr>
@@ -2902,7 +2902,7 @@
             </a:lvl1pPr>
           </a:lstStyle>
           <a:p>
-            <a:fld id="{16808282-6D15-4E97-A716-00CBC0BCCBE9}" type="datetimeFigureOut">
+            <a:fld id="{6A846043-5FAE-48B7-9EE6-82322B336491}" type="datetimeFigureOut">
               <a:rPr lang="zh-CN" altLang="en-US" smtClean="0"/>
               <a:t>2024/3/10</a:t>
             </a:fld>
@@ -2915,7 +2915,7 @@
           <p:cNvPr id="5" name="页脚占位符 4">
             <a:extLst>
               <a:ext uri="{FF2B5EF4-FFF2-40B4-BE49-F238E27FC236}">
-                <a16:creationId xmlns:a16="http://schemas.microsoft.com/office/drawing/2014/main" id="{32CD966A-7377-71D5-2170-F3C9D6171E06}"/>
+                <a16:creationId xmlns:a16="http://schemas.microsoft.com/office/drawing/2014/main" id="{A49E17BA-363B-872D-6EA7-84BA5F42B38C}"/>
               </a:ext>
             </a:extLst>
           </p:cNvPr>
@@ -2958,7 +2958,7 @@
           <p:cNvPr id="6" name="灯片编号占位符 5">
             <a:extLst>
               <a:ext uri="{FF2B5EF4-FFF2-40B4-BE49-F238E27FC236}">
-                <a16:creationId xmlns:a16="http://schemas.microsoft.com/office/drawing/2014/main" id="{1E0A2DA2-943B-FC66-8926-C7781AA26522}"/>
+                <a16:creationId xmlns:a16="http://schemas.microsoft.com/office/drawing/2014/main" id="{F5F3028C-6F52-9001-4784-388ED63BC6E8}"/>
               </a:ext>
             </a:extLst>
           </p:cNvPr>
@@ -2992,7 +2992,7 @@
             </a:lvl1pPr>
           </a:lstStyle>
           <a:p>
-            <a:fld id="{63AFC43F-3EBE-4ECC-8B98-6C03A8E84AC0}" type="slidenum">
+            <a:fld id="{D88A55BF-7D66-44D7-B3E6-D2DED6E08DA2}" type="slidenum">
               <a:rPr lang="zh-CN" altLang="en-US" smtClean="0"/>
               <a:t>‹#›</a:t>
             </a:fld>
@@ -3003,7 +3003,7 @@
     </p:spTree>
     <p:extLst>
       <p:ext uri="{BB962C8B-B14F-4D97-AF65-F5344CB8AC3E}">
-        <p14:creationId xmlns:p14="http://schemas.microsoft.com/office/powerpoint/2010/main" val="1848167670"/>
+        <p14:creationId xmlns:p14="http://schemas.microsoft.com/office/powerpoint/2010/main" val="3931291874"/>
       </p:ext>
     </p:extLst>
   </p:cSld>
@@ -3323,7 +3323,7 @@
       </p:grpSpPr>
       <p:pic>
         <p:nvPicPr>
-          <p:cNvPr id="741378" name="Picture 2" descr="723"/>
+          <p:cNvPr id="742402" name="Picture 2" descr="724"/>
           <p:cNvPicPr>
             <a:picLocks noChangeAspect="1" noChangeArrowheads="1"/>
           </p:cNvPicPr>
@@ -3344,8 +3344,8 @@
         </p:blipFill>
         <p:spPr bwMode="auto">
           <a:xfrm>
-            <a:off x="1524000" y="0"/>
-            <a:ext cx="9144000" cy="6858000"/>
+            <a:off x="1524000" y="1"/>
+            <a:ext cx="9144000" cy="5661025"/>
           </a:xfrm>
           <a:prstGeom prst="rect">
             <a:avLst/>
